--- a/paper/JIMD-2/Figures_CORRECTED.pptx
+++ b/paper/JIMD-2/Figures_CORRECTED.pptx
@@ -247,7 +247,7 @@
           <a:p>
             <a:fld id="{428D7E12-15E0-4CC9-9736-18FA200E2781}" type="datetimeFigureOut">
               <a:rPr lang="en-US" smtClean="0"/>
-              <a:t>9/27/2023</a:t>
+              <a:t>9/28/2023</a:t>
             </a:fld>
             <a:endParaRPr lang="en-US"/>
           </a:p>
@@ -417,7 +417,7 @@
           <a:p>
             <a:fld id="{428D7E12-15E0-4CC9-9736-18FA200E2781}" type="datetimeFigureOut">
               <a:rPr lang="en-US" smtClean="0"/>
-              <a:t>9/27/2023</a:t>
+              <a:t>9/28/2023</a:t>
             </a:fld>
             <a:endParaRPr lang="en-US"/>
           </a:p>
@@ -597,7 +597,7 @@
           <a:p>
             <a:fld id="{428D7E12-15E0-4CC9-9736-18FA200E2781}" type="datetimeFigureOut">
               <a:rPr lang="en-US" smtClean="0"/>
-              <a:t>9/27/2023</a:t>
+              <a:t>9/28/2023</a:t>
             </a:fld>
             <a:endParaRPr lang="en-US"/>
           </a:p>
@@ -767,7 +767,7 @@
           <a:p>
             <a:fld id="{428D7E12-15E0-4CC9-9736-18FA200E2781}" type="datetimeFigureOut">
               <a:rPr lang="en-US" smtClean="0"/>
-              <a:t>9/27/2023</a:t>
+              <a:t>9/28/2023</a:t>
             </a:fld>
             <a:endParaRPr lang="en-US"/>
           </a:p>
@@ -1011,7 +1011,7 @@
           <a:p>
             <a:fld id="{428D7E12-15E0-4CC9-9736-18FA200E2781}" type="datetimeFigureOut">
               <a:rPr lang="en-US" smtClean="0"/>
-              <a:t>9/27/2023</a:t>
+              <a:t>9/28/2023</a:t>
             </a:fld>
             <a:endParaRPr lang="en-US"/>
           </a:p>
@@ -1243,7 +1243,7 @@
           <a:p>
             <a:fld id="{428D7E12-15E0-4CC9-9736-18FA200E2781}" type="datetimeFigureOut">
               <a:rPr lang="en-US" smtClean="0"/>
-              <a:t>9/27/2023</a:t>
+              <a:t>9/28/2023</a:t>
             </a:fld>
             <a:endParaRPr lang="en-US"/>
           </a:p>
@@ -1610,7 +1610,7 @@
           <a:p>
             <a:fld id="{428D7E12-15E0-4CC9-9736-18FA200E2781}" type="datetimeFigureOut">
               <a:rPr lang="en-US" smtClean="0"/>
-              <a:t>9/27/2023</a:t>
+              <a:t>9/28/2023</a:t>
             </a:fld>
             <a:endParaRPr lang="en-US"/>
           </a:p>
@@ -1728,7 +1728,7 @@
           <a:p>
             <a:fld id="{428D7E12-15E0-4CC9-9736-18FA200E2781}" type="datetimeFigureOut">
               <a:rPr lang="en-US" smtClean="0"/>
-              <a:t>9/27/2023</a:t>
+              <a:t>9/28/2023</a:t>
             </a:fld>
             <a:endParaRPr lang="en-US"/>
           </a:p>
@@ -1823,7 +1823,7 @@
           <a:p>
             <a:fld id="{428D7E12-15E0-4CC9-9736-18FA200E2781}" type="datetimeFigureOut">
               <a:rPr lang="en-US" smtClean="0"/>
-              <a:t>9/27/2023</a:t>
+              <a:t>9/28/2023</a:t>
             </a:fld>
             <a:endParaRPr lang="en-US"/>
           </a:p>
@@ -2100,7 +2100,7 @@
           <a:p>
             <a:fld id="{428D7E12-15E0-4CC9-9736-18FA200E2781}" type="datetimeFigureOut">
               <a:rPr lang="en-US" smtClean="0"/>
-              <a:t>9/27/2023</a:t>
+              <a:t>9/28/2023</a:t>
             </a:fld>
             <a:endParaRPr lang="en-US"/>
           </a:p>
@@ -2357,7 +2357,7 @@
           <a:p>
             <a:fld id="{428D7E12-15E0-4CC9-9736-18FA200E2781}" type="datetimeFigureOut">
               <a:rPr lang="en-US" smtClean="0"/>
-              <a:t>9/27/2023</a:t>
+              <a:t>9/28/2023</a:t>
             </a:fld>
             <a:endParaRPr lang="en-US"/>
           </a:p>
@@ -2570,7 +2570,7 @@
           <a:p>
             <a:fld id="{428D7E12-15E0-4CC9-9736-18FA200E2781}" type="datetimeFigureOut">
               <a:rPr lang="en-US" smtClean="0"/>
-              <a:t>9/27/2023</a:t>
+              <a:t>9/28/2023</a:t>
             </a:fld>
             <a:endParaRPr lang="en-US"/>
           </a:p>
@@ -4068,8 +4068,8 @@
             <a:lstStyle/>
             <a:p>
               <a:r>
-                <a:rPr lang="en-US" sz="1100" dirty="0" err="1" smtClean="0"/>
-                <a:t>Hyperglutamatergic</a:t>
+                <a:rPr lang="en-US" sz="1100" dirty="0" smtClean="0"/>
+                <a:t>Hyper-glutamatergic</a:t>
               </a:r>
               <a:endParaRPr lang="es-ES" sz="1100" dirty="0"/>
             </a:p>
@@ -4242,36 +4242,6 @@
       </p:grpSpPr>
       <p:pic>
         <p:nvPicPr>
-          <p:cNvPr id="6" name="Imagen 5"/>
-          <p:cNvPicPr>
-            <a:picLocks noChangeAspect="1"/>
-          </p:cNvPicPr>
-          <p:nvPr/>
-        </p:nvPicPr>
-        <p:blipFill>
-          <a:blip r:embed="rId2" cstate="print">
-            <a:extLst>
-              <a:ext uri="{28A0092B-C50C-407E-A947-70E740481C1C}">
-                <a14:useLocalDpi xmlns:a14="http://schemas.microsoft.com/office/drawing/2010/main" val="0"/>
-              </a:ext>
-            </a:extLst>
-          </a:blip>
-          <a:stretch>
-            <a:fillRect/>
-          </a:stretch>
-        </p:blipFill>
-        <p:spPr>
-          <a:xfrm>
-            <a:off x="1142368" y="1566789"/>
-            <a:ext cx="4684295" cy="6675120"/>
-          </a:xfrm>
-          <a:prstGeom prst="rect">
-            <a:avLst/>
-          </a:prstGeom>
-        </p:spPr>
-      </p:pic>
-      <p:pic>
-        <p:nvPicPr>
           <p:cNvPr id="7" name="Imagen 6"/>
           <p:cNvPicPr>
             <a:picLocks noChangeAspect="1"/>
@@ -4279,7 +4249,7 @@
           <p:nvPr/>
         </p:nvPicPr>
         <p:blipFill>
-          <a:blip r:embed="rId3"/>
+          <a:blip r:embed="rId2"/>
           <a:stretch>
             <a:fillRect/>
           </a:stretch>
@@ -4324,6 +4294,36 @@
           </a:p>
         </p:txBody>
       </p:sp>
+      <p:pic>
+        <p:nvPicPr>
+          <p:cNvPr id="8" name="Imagen 7"/>
+          <p:cNvPicPr>
+            <a:picLocks noChangeAspect="1"/>
+          </p:cNvPicPr>
+          <p:nvPr/>
+        </p:nvPicPr>
+        <p:blipFill>
+          <a:blip r:embed="rId3" cstate="print">
+            <a:extLst>
+              <a:ext uri="{28A0092B-C50C-407E-A947-70E740481C1C}">
+                <a14:useLocalDpi xmlns:a14="http://schemas.microsoft.com/office/drawing/2010/main" val="0"/>
+              </a:ext>
+            </a:extLst>
+          </a:blip>
+          <a:stretch>
+            <a:fillRect/>
+          </a:stretch>
+        </p:blipFill>
+        <p:spPr>
+          <a:xfrm>
+            <a:off x="771554" y="1566789"/>
+            <a:ext cx="5460281" cy="7098365"/>
+          </a:xfrm>
+          <a:prstGeom prst="rect">
+            <a:avLst/>
+          </a:prstGeom>
+        </p:spPr>
+      </p:pic>
     </p:spTree>
     <p:extLst>
       <p:ext uri="{BB962C8B-B14F-4D97-AF65-F5344CB8AC3E}">
@@ -4450,7 +4450,7 @@
             <a:graphicData uri="http://schemas.openxmlformats.org/presentationml/2006/ole">
               <mc:AlternateContent xmlns:mc="http://schemas.openxmlformats.org/markup-compatibility/2006">
                 <mc:Choice xmlns:v="urn:schemas-microsoft-com:vml" Requires="v">
-                  <p:oleObj spid="_x0000_s1060" r:id="rId3" imgW="460080" imgH="152280" progId="">
+                  <p:oleObj spid="_x0000_s1064" r:id="rId3" imgW="460080" imgH="152280" progId="">
                     <p:embed/>
                   </p:oleObj>
                 </mc:Choice>
@@ -4512,7 +4512,7 @@
             <a:graphicData uri="http://schemas.openxmlformats.org/presentationml/2006/ole">
               <mc:AlternateContent xmlns:mc="http://schemas.openxmlformats.org/markup-compatibility/2006">
                 <mc:Choice xmlns:v="urn:schemas-microsoft-com:vml" Requires="v">
-                  <p:oleObj spid="_x0000_s1061" r:id="rId5" imgW="462960" imgH="57600" progId="">
+                  <p:oleObj spid="_x0000_s1065" r:id="rId5" imgW="462960" imgH="57600" progId="">
                     <p:embed/>
                   </p:oleObj>
                 </mc:Choice>
